--- a/100_RNN.pptx
+++ b/100_RNN.pptx
@@ -259,7 +259,7 @@
             <a:fld id="{6837EDA8-41C8-4B24-A206-13C08A65A6D7}" type="datetimeFigureOut">
               <a:rPr lang="zh-TW" altLang="en-US" smtClean="0"/>
               <a:pPr/>
-              <a:t>2020/9/21</a:t>
+              <a:t>2020/9/22</a:t>
             </a:fld>
             <a:endParaRPr lang="zh-TW" altLang="en-US"/>
           </a:p>
@@ -712,7 +712,7 @@
             <a:fld id="{8B85509C-BD4F-47BF-9B1E-FC2E949B3621}" type="datetime1">
               <a:rPr lang="zh-TW" altLang="en-US" smtClean="0"/>
               <a:pPr/>
-              <a:t>2020/9/21</a:t>
+              <a:t>2020/9/22</a:t>
             </a:fld>
             <a:endParaRPr lang="zh-TW" altLang="en-US"/>
           </a:p>
@@ -885,7 +885,7 @@
             <a:fld id="{42251B24-F787-4C15-8A0F-7AEC20C70069}" type="datetime1">
               <a:rPr lang="zh-TW" altLang="en-US" smtClean="0"/>
               <a:pPr/>
-              <a:t>2020/9/21</a:t>
+              <a:t>2020/9/22</a:t>
             </a:fld>
             <a:endParaRPr lang="zh-TW" altLang="en-US"/>
           </a:p>
@@ -1060,7 +1060,7 @@
             <a:fld id="{9CA0D33C-CE2B-45F1-B8D4-FFD1F131F331}" type="datetime1">
               <a:rPr lang="zh-TW" altLang="en-US" smtClean="0"/>
               <a:pPr/>
-              <a:t>2020/9/21</a:t>
+              <a:t>2020/9/22</a:t>
             </a:fld>
             <a:endParaRPr lang="zh-TW" altLang="en-US"/>
           </a:p>
@@ -1225,7 +1225,7 @@
             <a:fld id="{50B99440-D9EF-40CC-9B52-F6428D9B2C76}" type="datetime1">
               <a:rPr lang="zh-TW" altLang="en-US" smtClean="0"/>
               <a:pPr/>
-              <a:t>2020/9/21</a:t>
+              <a:t>2020/9/22</a:t>
             </a:fld>
             <a:endParaRPr lang="zh-TW" altLang="en-US"/>
           </a:p>
@@ -1467,7 +1467,7 @@
             <a:fld id="{0871BF52-5C6C-4959-8E27-CECB68D39FE4}" type="datetime1">
               <a:rPr lang="zh-TW" altLang="en-US" smtClean="0"/>
               <a:pPr/>
-              <a:t>2020/9/21</a:t>
+              <a:t>2020/9/22</a:t>
             </a:fld>
             <a:endParaRPr lang="zh-TW" altLang="en-US"/>
           </a:p>
@@ -1749,7 +1749,7 @@
             <a:fld id="{DF863F05-2DD9-4EB1-A827-12FD992DE9DC}" type="datetime1">
               <a:rPr lang="zh-TW" altLang="en-US" smtClean="0"/>
               <a:pPr/>
-              <a:t>2020/9/21</a:t>
+              <a:t>2020/9/22</a:t>
             </a:fld>
             <a:endParaRPr lang="zh-TW" altLang="en-US"/>
           </a:p>
@@ -2165,7 +2165,7 @@
             <a:fld id="{6339AF51-4491-4873-A096-75DB6CE47516}" type="datetime1">
               <a:rPr lang="zh-TW" altLang="en-US" smtClean="0"/>
               <a:pPr/>
-              <a:t>2020/9/21</a:t>
+              <a:t>2020/9/22</a:t>
             </a:fld>
             <a:endParaRPr lang="zh-TW" altLang="en-US"/>
           </a:p>
@@ -2279,7 +2279,7 @@
             <a:fld id="{EE4AD9C8-8B9E-40FF-ABE2-858AC2057BBB}" type="datetime1">
               <a:rPr lang="zh-TW" altLang="en-US" smtClean="0"/>
               <a:pPr/>
-              <a:t>2020/9/21</a:t>
+              <a:t>2020/9/22</a:t>
             </a:fld>
             <a:endParaRPr lang="zh-TW" altLang="en-US"/>
           </a:p>
@@ -2371,7 +2371,7 @@
             <a:fld id="{B4784999-BBBE-4BE4-A8D0-877E7D1D66CC}" type="datetime1">
               <a:rPr lang="zh-TW" altLang="en-US" smtClean="0"/>
               <a:pPr/>
-              <a:t>2020/9/21</a:t>
+              <a:t>2020/9/22</a:t>
             </a:fld>
             <a:endParaRPr lang="zh-TW" altLang="en-US"/>
           </a:p>
@@ -2643,7 +2643,7 @@
             <a:fld id="{E88D17E6-02BD-4944-B9FE-7BFCCBF83D48}" type="datetime1">
               <a:rPr lang="zh-TW" altLang="en-US" smtClean="0"/>
               <a:pPr/>
-              <a:t>2020/9/21</a:t>
+              <a:t>2020/9/22</a:t>
             </a:fld>
             <a:endParaRPr lang="zh-TW" altLang="en-US"/>
           </a:p>
@@ -2892,7 +2892,7 @@
             <a:fld id="{3C13E23D-1FEF-4D78-A3A3-3D6F2BB31954}" type="datetime1">
               <a:rPr lang="zh-TW" altLang="en-US" smtClean="0"/>
               <a:pPr/>
-              <a:t>2020/9/21</a:t>
+              <a:t>2020/9/22</a:t>
             </a:fld>
             <a:endParaRPr lang="zh-TW" altLang="en-US"/>
           </a:p>
@@ -3100,7 +3100,7 @@
             <a:fld id="{06197F35-AD6F-4594-8B50-334492D2E7E8}" type="datetime1">
               <a:rPr lang="zh-TW" altLang="en-US" smtClean="0"/>
               <a:pPr/>
-              <a:t>2020/9/21</a:t>
+              <a:t>2020/9/22</a:t>
             </a:fld>
             <a:endParaRPr lang="zh-TW" altLang="en-US"/>
           </a:p>
@@ -3561,7 +3561,7 @@
             <a:fld id="{C389EDC9-19E3-47AC-9C57-C6A24DEA81AD}" type="datetime1">
               <a:rPr lang="zh-TW" altLang="en-US" smtClean="0"/>
               <a:pPr/>
-              <a:t>2020/9/21</a:t>
+              <a:t>2020/9/22</a:t>
             </a:fld>
             <a:endParaRPr lang="zh-TW" altLang="en-US"/>
           </a:p>
@@ -3911,7 +3911,7 @@
             <a:fld id="{A4F910E6-8D00-4BAF-8C48-9688E0B449D3}" type="datetime1">
               <a:rPr lang="zh-TW" altLang="en-US" smtClean="0"/>
               <a:pPr/>
-              <a:t>2020/9/21</a:t>
+              <a:t>2020/9/22</a:t>
             </a:fld>
             <a:endParaRPr lang="zh-TW" altLang="en-US" dirty="0"/>
           </a:p>
@@ -4869,7 +4869,7 @@
             <a:fld id="{A4F910E6-8D00-4BAF-8C48-9688E0B449D3}" type="datetime1">
               <a:rPr lang="zh-TW" altLang="en-US" smtClean="0"/>
               <a:pPr/>
-              <a:t>2020/9/21</a:t>
+              <a:t>2020/9/22</a:t>
             </a:fld>
             <a:endParaRPr lang="zh-TW" altLang="en-US"/>
           </a:p>
@@ -5269,7 +5269,7 @@
             <a:fld id="{C389EDC9-19E3-47AC-9C57-C6A24DEA81AD}" type="datetime1">
               <a:rPr lang="zh-TW" altLang="en-US" smtClean="0"/>
               <a:pPr/>
-              <a:t>2020/9/21</a:t>
+              <a:t>2020/9/22</a:t>
             </a:fld>
             <a:endParaRPr lang="zh-TW" altLang="en-US"/>
           </a:p>
@@ -5572,7 +5572,7 @@
             <a:fld id="{A4F910E6-8D00-4BAF-8C48-9688E0B449D3}" type="datetime1">
               <a:rPr lang="zh-TW" altLang="en-US" smtClean="0"/>
               <a:pPr/>
-              <a:t>2020/9/21</a:t>
+              <a:t>2020/9/22</a:t>
             </a:fld>
             <a:endParaRPr lang="zh-TW" altLang="en-US"/>
           </a:p>
@@ -6128,7 +6128,7 @@
             <a:fld id="{A4F910E6-8D00-4BAF-8C48-9688E0B449D3}" type="datetime1">
               <a:rPr lang="zh-TW" altLang="en-US" smtClean="0"/>
               <a:pPr/>
-              <a:t>2020/9/21</a:t>
+              <a:t>2020/9/22</a:t>
             </a:fld>
             <a:endParaRPr lang="zh-TW" altLang="en-US"/>
           </a:p>
@@ -6795,7 +6795,7 @@
             <a:fld id="{A4F910E6-8D00-4BAF-8C48-9688E0B449D3}" type="datetime1">
               <a:rPr lang="zh-TW" altLang="en-US" smtClean="0"/>
               <a:pPr/>
-              <a:t>2020/9/21</a:t>
+              <a:t>2020/9/22</a:t>
             </a:fld>
             <a:endParaRPr lang="zh-TW" altLang="en-US"/>
           </a:p>
@@ -7498,7 +7498,7 @@
             <a:fld id="{A4F910E6-8D00-4BAF-8C48-9688E0B449D3}" type="datetime1">
               <a:rPr lang="zh-TW" altLang="en-US" smtClean="0"/>
               <a:pPr/>
-              <a:t>2020/9/21</a:t>
+              <a:t>2020/9/22</a:t>
             </a:fld>
             <a:endParaRPr lang="zh-TW" altLang="en-US"/>
           </a:p>
@@ -13371,7 +13371,7 @@
             <a:fld id="{A4F910E6-8D00-4BAF-8C48-9688E0B449D3}" type="datetime1">
               <a:rPr lang="zh-TW" altLang="en-US" smtClean="0"/>
               <a:pPr/>
-              <a:t>2020/9/21</a:t>
+              <a:t>2020/9/22</a:t>
             </a:fld>
             <a:endParaRPr lang="zh-TW" altLang="en-US"/>
           </a:p>
@@ -13719,7 +13719,7 @@
             <a:fld id="{C389EDC9-19E3-47AC-9C57-C6A24DEA81AD}" type="datetime1">
               <a:rPr lang="zh-TW" altLang="en-US" smtClean="0"/>
               <a:pPr/>
-              <a:t>2020/9/21</a:t>
+              <a:t>2020/9/22</a:t>
             </a:fld>
             <a:endParaRPr lang="zh-TW" altLang="en-US"/>
           </a:p>
@@ -14027,7 +14027,7 @@
             <a:fld id="{A4F910E6-8D00-4BAF-8C48-9688E0B449D3}" type="datetime1">
               <a:rPr lang="zh-TW" altLang="en-US" smtClean="0"/>
               <a:pPr/>
-              <a:t>2020/9/21</a:t>
+              <a:t>2020/9/22</a:t>
             </a:fld>
             <a:endParaRPr lang="zh-TW" altLang="en-US"/>
           </a:p>
@@ -14547,7 +14547,7 @@
             <a:fld id="{A4F910E6-8D00-4BAF-8C48-9688E0B449D3}" type="datetime1">
               <a:rPr lang="zh-TW" altLang="en-US" smtClean="0"/>
               <a:pPr/>
-              <a:t>2020/9/21</a:t>
+              <a:t>2020/9/22</a:t>
             </a:fld>
             <a:endParaRPr lang="zh-TW" altLang="en-US"/>
           </a:p>
@@ -15050,7 +15050,7 @@
             <a:fld id="{A4F910E6-8D00-4BAF-8C48-9688E0B449D3}" type="datetime1">
               <a:rPr lang="zh-TW" altLang="en-US" smtClean="0"/>
               <a:pPr/>
-              <a:t>2020/9/21</a:t>
+              <a:t>2020/9/22</a:t>
             </a:fld>
             <a:endParaRPr lang="zh-TW" altLang="en-US"/>
           </a:p>
@@ -20733,7 +20733,7 @@
             <a:fld id="{A4F910E6-8D00-4BAF-8C48-9688E0B449D3}" type="datetime1">
               <a:rPr lang="zh-TW" altLang="en-US" smtClean="0"/>
               <a:pPr/>
-              <a:t>2020/9/21</a:t>
+              <a:t>2020/9/22</a:t>
             </a:fld>
             <a:endParaRPr lang="zh-TW" altLang="en-US"/>
           </a:p>
@@ -21081,7 +21081,7 @@
             <a:fld id="{C389EDC9-19E3-47AC-9C57-C6A24DEA81AD}" type="datetime1">
               <a:rPr lang="zh-TW" altLang="en-US" smtClean="0"/>
               <a:pPr/>
-              <a:t>2020/9/21</a:t>
+              <a:t>2020/9/22</a:t>
             </a:fld>
             <a:endParaRPr lang="zh-TW" altLang="en-US"/>
           </a:p>
@@ -21561,7 +21561,7 @@
             <a:fld id="{A4F910E6-8D00-4BAF-8C48-9688E0B449D3}" type="datetime1">
               <a:rPr lang="zh-TW" altLang="en-US" smtClean="0"/>
               <a:pPr/>
-              <a:t>2020/9/21</a:t>
+              <a:t>2020/9/22</a:t>
             </a:fld>
             <a:endParaRPr lang="zh-TW" altLang="en-US"/>
           </a:p>
@@ -22153,7 +22153,7 @@
             <a:fld id="{A4F910E6-8D00-4BAF-8C48-9688E0B449D3}" type="datetime1">
               <a:rPr lang="zh-TW" altLang="en-US" smtClean="0"/>
               <a:pPr/>
-              <a:t>2020/9/21</a:t>
+              <a:t>2020/9/22</a:t>
             </a:fld>
             <a:endParaRPr lang="zh-TW" altLang="en-US"/>
           </a:p>
@@ -22746,7 +22746,7 @@
             <a:fld id="{A4F910E6-8D00-4BAF-8C48-9688E0B449D3}" type="datetime1">
               <a:rPr lang="zh-TW" altLang="en-US" smtClean="0"/>
               <a:pPr/>
-              <a:t>2020/9/21</a:t>
+              <a:t>2020/9/22</a:t>
             </a:fld>
             <a:endParaRPr lang="zh-TW" altLang="en-US"/>
           </a:p>
@@ -23249,7 +23249,7 @@
             <a:fld id="{A4F910E6-8D00-4BAF-8C48-9688E0B449D3}" type="datetime1">
               <a:rPr lang="zh-TW" altLang="en-US" smtClean="0"/>
               <a:pPr/>
-              <a:t>2020/9/21</a:t>
+              <a:t>2020/9/22</a:t>
             </a:fld>
             <a:endParaRPr lang="zh-TW" altLang="en-US"/>
           </a:p>
@@ -23562,7 +23562,7 @@
             <a:fld id="{C389EDC9-19E3-47AC-9C57-C6A24DEA81AD}" type="datetime1">
               <a:rPr lang="zh-TW" altLang="en-US" smtClean="0"/>
               <a:pPr/>
-              <a:t>2020/9/21</a:t>
+              <a:t>2020/9/22</a:t>
             </a:fld>
             <a:endParaRPr lang="zh-TW" altLang="en-US"/>
           </a:p>
@@ -23971,7 +23971,7 @@
             <a:fld id="{A4F910E6-8D00-4BAF-8C48-9688E0B449D3}" type="datetime1">
               <a:rPr lang="zh-TW" altLang="en-US" smtClean="0"/>
               <a:pPr/>
-              <a:t>2020/9/21</a:t>
+              <a:t>2020/9/22</a:t>
             </a:fld>
             <a:endParaRPr lang="zh-TW" altLang="en-US"/>
           </a:p>
@@ -24605,7 +24605,7 @@
             <a:fld id="{A4F910E6-8D00-4BAF-8C48-9688E0B449D3}" type="datetime1">
               <a:rPr lang="zh-TW" altLang="en-US" smtClean="0"/>
               <a:pPr/>
-              <a:t>2020/9/21</a:t>
+              <a:t>2020/9/22</a:t>
             </a:fld>
             <a:endParaRPr lang="zh-TW" altLang="en-US"/>
           </a:p>
@@ -24918,7 +24918,7 @@
             <a:fld id="{C389EDC9-19E3-47AC-9C57-C6A24DEA81AD}" type="datetime1">
               <a:rPr lang="zh-TW" altLang="en-US" smtClean="0"/>
               <a:pPr/>
-              <a:t>2020/9/21</a:t>
+              <a:t>2020/9/22</a:t>
             </a:fld>
             <a:endParaRPr lang="zh-TW" altLang="en-US"/>
           </a:p>
@@ -25067,7 +25067,7 @@
             <a:fld id="{C389EDC9-19E3-47AC-9C57-C6A24DEA81AD}" type="datetime1">
               <a:rPr lang="zh-TW" altLang="en-US" smtClean="0"/>
               <a:pPr/>
-              <a:t>2020/9/21</a:t>
+              <a:t>2020/9/22</a:t>
             </a:fld>
             <a:endParaRPr lang="zh-TW" altLang="en-US"/>
           </a:p>
@@ -25457,7 +25457,7 @@
             <a:fld id="{A4F910E6-8D00-4BAF-8C48-9688E0B449D3}" type="datetime1">
               <a:rPr lang="zh-TW" altLang="en-US" smtClean="0"/>
               <a:pPr/>
-              <a:t>2020/9/21</a:t>
+              <a:t>2020/9/22</a:t>
             </a:fld>
             <a:endParaRPr lang="zh-TW" altLang="en-US"/>
           </a:p>
@@ -26067,7 +26067,7 @@
             <a:fld id="{A4F910E6-8D00-4BAF-8C48-9688E0B449D3}" type="datetime1">
               <a:rPr lang="zh-TW" altLang="en-US" smtClean="0"/>
               <a:pPr/>
-              <a:t>2020/9/21</a:t>
+              <a:t>2020/9/22</a:t>
             </a:fld>
             <a:endParaRPr lang="zh-TW" altLang="en-US"/>
           </a:p>
@@ -26657,7 +26657,7 @@
             <a:fld id="{A4F910E6-8D00-4BAF-8C48-9688E0B449D3}" type="datetime1">
               <a:rPr lang="zh-TW" altLang="en-US" smtClean="0"/>
               <a:pPr/>
-              <a:t>2020/9/21</a:t>
+              <a:t>2020/9/22</a:t>
             </a:fld>
             <a:endParaRPr lang="zh-TW" altLang="en-US"/>
           </a:p>
@@ -26970,7 +26970,7 @@
             <a:fld id="{C389EDC9-19E3-47AC-9C57-C6A24DEA81AD}" type="datetime1">
               <a:rPr lang="zh-TW" altLang="en-US" smtClean="0"/>
               <a:pPr/>
-              <a:t>2020/9/21</a:t>
+              <a:t>2020/9/22</a:t>
             </a:fld>
             <a:endParaRPr lang="zh-TW" altLang="en-US"/>
           </a:p>
@@ -27345,7 +27345,7 @@
             <a:fld id="{A4F910E6-8D00-4BAF-8C48-9688E0B449D3}" type="datetime1">
               <a:rPr lang="zh-TW" altLang="en-US" smtClean="0"/>
               <a:pPr/>
-              <a:t>2020/9/21</a:t>
+              <a:t>2020/9/22</a:t>
             </a:fld>
             <a:endParaRPr lang="zh-TW" altLang="en-US"/>
           </a:p>
@@ -27991,7 +27991,7 @@
             <a:fld id="{A4F910E6-8D00-4BAF-8C48-9688E0B449D3}" type="datetime1">
               <a:rPr lang="zh-TW" altLang="en-US" smtClean="0"/>
               <a:pPr/>
-              <a:t>2020/9/21</a:t>
+              <a:t>2020/9/22</a:t>
             </a:fld>
             <a:endParaRPr lang="zh-TW" altLang="en-US"/>
           </a:p>
@@ -28304,7 +28304,7 @@
             <a:fld id="{C389EDC9-19E3-47AC-9C57-C6A24DEA81AD}" type="datetime1">
               <a:rPr lang="zh-TW" altLang="en-US" smtClean="0"/>
               <a:pPr/>
-              <a:t>2020/9/21</a:t>
+              <a:t>2020/9/22</a:t>
             </a:fld>
             <a:endParaRPr lang="zh-TW" altLang="en-US"/>
           </a:p>
@@ -28643,7 +28643,7 @@
             <a:fld id="{A4F910E6-8D00-4BAF-8C48-9688E0B449D3}" type="datetime1">
               <a:rPr lang="zh-TW" altLang="en-US" smtClean="0"/>
               <a:pPr/>
-              <a:t>2020/9/21</a:t>
+              <a:t>2020/9/22</a:t>
             </a:fld>
             <a:endParaRPr lang="zh-TW" altLang="en-US"/>
           </a:p>
@@ -29014,7 +29014,7 @@
             <a:fld id="{4E46BE27-E923-4EC2-B046-3272AE2A3E5C}" type="datetime1">
               <a:rPr lang="zh-TW" altLang="en-US" smtClean="0"/>
               <a:pPr/>
-              <a:t>2020/9/21</a:t>
+              <a:t>2020/9/22</a:t>
             </a:fld>
             <a:endParaRPr lang="zh-TW" altLang="en-US"/>
           </a:p>
@@ -29446,7 +29446,7 @@
             <a:fld id="{A4F910E6-8D00-4BAF-8C48-9688E0B449D3}" type="datetime1">
               <a:rPr lang="zh-TW" altLang="en-US" smtClean="0"/>
               <a:pPr/>
-              <a:t>2020/9/21</a:t>
+              <a:t>2020/9/22</a:t>
             </a:fld>
             <a:endParaRPr lang="zh-TW" altLang="en-US"/>
           </a:p>
@@ -30162,7 +30162,7 @@
             <a:fld id="{A4F910E6-8D00-4BAF-8C48-9688E0B449D3}" type="datetime1">
               <a:rPr lang="zh-TW" altLang="en-US" smtClean="0"/>
               <a:pPr/>
-              <a:t>2020/9/21</a:t>
+              <a:t>2020/9/22</a:t>
             </a:fld>
             <a:endParaRPr lang="zh-TW" altLang="en-US"/>
           </a:p>
@@ -30809,7 +30809,7 @@
             <a:fld id="{A4F910E6-8D00-4BAF-8C48-9688E0B449D3}" type="datetime1">
               <a:rPr lang="zh-TW" altLang="en-US" smtClean="0"/>
               <a:pPr/>
-              <a:t>2020/9/21</a:t>
+              <a:t>2020/9/22</a:t>
             </a:fld>
             <a:endParaRPr lang="zh-TW" altLang="en-US"/>
           </a:p>
@@ -31368,7 +31368,7 @@
             <a:fld id="{A4F910E6-8D00-4BAF-8C48-9688E0B449D3}" type="datetime1">
               <a:rPr lang="zh-TW" altLang="en-US" smtClean="0"/>
               <a:pPr/>
-              <a:t>2020/9/21</a:t>
+              <a:t>2020/9/22</a:t>
             </a:fld>
             <a:endParaRPr lang="zh-TW" altLang="en-US"/>
           </a:p>
@@ -31681,7 +31681,7 @@
             <a:fld id="{C389EDC9-19E3-47AC-9C57-C6A24DEA81AD}" type="datetime1">
               <a:rPr lang="zh-TW" altLang="en-US" smtClean="0"/>
               <a:pPr/>
-              <a:t>2020/9/21</a:t>
+              <a:t>2020/9/22</a:t>
             </a:fld>
             <a:endParaRPr lang="zh-TW" altLang="en-US"/>
           </a:p>
@@ -31989,7 +31989,7 @@
             <a:fld id="{A4F910E6-8D00-4BAF-8C48-9688E0B449D3}" type="datetime1">
               <a:rPr lang="zh-TW" altLang="en-US" smtClean="0"/>
               <a:pPr/>
-              <a:t>2020/9/21</a:t>
+              <a:t>2020/9/22</a:t>
             </a:fld>
             <a:endParaRPr lang="zh-TW" altLang="en-US"/>
           </a:p>
